--- a/output/modernWorship/Your-Grace-is-Enough.pptx
+++ b/output/modernWorship/Your-Grace-is-Enough.pptx
@@ -3780,11 +3780,11 @@
               <a:defRPr sz="2500"/>
             </a:pPr>
             <a:r>
-              <a:t>Great is Your faithfulness Oh God </a:t>
+              <a:t>Great is Your faithfulness Oh God</a:t>
             </a:r>
             <a:br/>
             <a:r>
-              <a:t>You wrestle with the sinner's heart </a:t>
+              <a:t>You wrestle with the sinner's heart</a:t>
             </a:r>
             <a:br/>
             <a:r>
@@ -3792,7 +3792,7 @@
             </a:r>
             <a:br/>
             <a:r>
-              <a:t>And nothing can keep us apart </a:t>
+              <a:t>And nothing can keep us apart</a:t>
             </a:r>
             <a:br/>
           </a:p>
@@ -3887,11 +3887,11 @@
             </a:r>
             <a:br/>
             <a:r>
-              <a:t>Remember Your children </a:t>
+              <a:t>Remember Your children</a:t>
             </a:r>
             <a:br/>
             <a:r>
-              <a:t>Remember Your promise Oh God </a:t>
+              <a:t>Remember Your promise Oh God</a:t>
             </a:r>
             <a:br/>
           </a:p>
@@ -3982,7 +3982,7 @@
               <a:defRPr sz="2500"/>
             </a:pPr>
             <a:r>
-              <a:t>Your grace is enough </a:t>
+              <a:t>Your grace is enough</a:t>
             </a:r>
             <a:br/>
             <a:r>
@@ -4081,11 +4081,11 @@
               <a:defRPr sz="2500"/>
             </a:pPr>
             <a:r>
-              <a:t>Great is Your love and justice God </a:t>
+              <a:t>Great is Your love and justice God</a:t>
             </a:r>
             <a:br/>
             <a:r>
-              <a:t>You use the weak to lead the strong </a:t>
+              <a:t>You use the weak to lead the strong</a:t>
             </a:r>
             <a:br/>
             <a:r>
@@ -4093,7 +4093,7 @@
             </a:r>
             <a:br/>
             <a:r>
-              <a:t>And all Your people sing along </a:t>
+              <a:t>And all Your people sing along</a:t>
             </a:r>
             <a:br/>
           </a:p>
